--- a/01 Classes/Aula 03.1 - Programação Microcontroladores - Arduino Tinkercad - Prática.pptx
+++ b/01 Classes/Aula 03.1 - Programação Microcontroladores - Arduino Tinkercad - Prática.pptx
@@ -5119,59 +5119,6 @@
               <a:cs typeface="Times New Roman" panose="02020603050405020304" pitchFamily="18" charset="0"/>
             </a:endParaRPr>
           </a:p>
-          <a:p>
-            <a:pPr marL="0" indent="0" algn="just">
-              <a:buNone/>
-            </a:pPr>
-            <a:r>
-              <a:rPr lang="pt-BR" sz="2000" dirty="0">
-                <a:latin typeface="Times New Roman" panose="02020603050405020304" pitchFamily="18" charset="0"/>
-                <a:cs typeface="Times New Roman" panose="02020603050405020304" pitchFamily="18" charset="0"/>
-              </a:rPr>
-              <a:t>[2] </a:t>
-            </a:r>
-            <a:r>
-              <a:rPr lang="pt-BR" sz="2000" dirty="0" err="1">
-                <a:latin typeface="Times New Roman" panose="02020603050405020304" pitchFamily="18" charset="0"/>
-                <a:cs typeface="Times New Roman" panose="02020603050405020304" pitchFamily="18" charset="0"/>
-              </a:rPr>
-              <a:t>Elicitação</a:t>
-            </a:r>
-            <a:r>
-              <a:rPr lang="pt-BR" sz="2000" dirty="0">
-                <a:latin typeface="Times New Roman" panose="02020603050405020304" pitchFamily="18" charset="0"/>
-                <a:cs typeface="Times New Roman" panose="02020603050405020304" pitchFamily="18" charset="0"/>
-              </a:rPr>
-              <a:t> e Especificação de Requisitos Sistemas Embarcados. </a:t>
-            </a:r>
-          </a:p>
-          <a:p>
-            <a:pPr marL="0" indent="0" algn="just">
-              <a:buNone/>
-            </a:pPr>
-            <a:r>
-              <a:rPr lang="pt-BR" sz="2000" b="1" dirty="0">
-                <a:solidFill>
-                  <a:srgbClr val="FF0000"/>
-                </a:solidFill>
-                <a:latin typeface="Times New Roman" panose="02020603050405020304" pitchFamily="18" charset="0"/>
-                <a:cs typeface="Times New Roman" panose="02020603050405020304" pitchFamily="18" charset="0"/>
-              </a:rPr>
-              <a:t>Disponível em: </a:t>
-            </a:r>
-            <a:r>
-              <a:rPr lang="pt-BR" sz="2000" dirty="0">
-                <a:latin typeface="Times New Roman" panose="02020603050405020304" pitchFamily="18" charset="0"/>
-                <a:cs typeface="Times New Roman" panose="02020603050405020304" pitchFamily="18" charset="0"/>
-                <a:hlinkClick r:id="rId4"/>
-              </a:rPr>
-              <a:t>https://eventos.spc.org.pe/cibse2015/pdfs/07_WER15.pdf</a:t>
-            </a:r>
-            <a:endParaRPr lang="pt-BR" sz="2000" dirty="0">
-              <a:latin typeface="Times New Roman" panose="02020603050405020304" pitchFamily="18" charset="0"/>
-              <a:cs typeface="Times New Roman" panose="02020603050405020304" pitchFamily="18" charset="0"/>
-            </a:endParaRPr>
-          </a:p>
         </p:txBody>
       </p:sp>
     </p:spTree>
@@ -5324,45 +5271,6 @@
               <a:cs typeface="Times New Roman" panose="02020603050405020304" pitchFamily="18" charset="0"/>
             </a:endParaRPr>
           </a:p>
-          <a:p>
-            <a:pPr marL="0" indent="0" algn="just">
-              <a:buNone/>
-            </a:pPr>
-            <a:r>
-              <a:rPr lang="pt-BR" sz="2400" dirty="0">
-                <a:latin typeface="Times New Roman" panose="02020603050405020304" pitchFamily="18" charset="0"/>
-                <a:cs typeface="Times New Roman" panose="02020603050405020304" pitchFamily="18" charset="0"/>
-              </a:rPr>
-              <a:t>[2] Arquitetura de Software para Sistemas Embarcados</a:t>
-            </a:r>
-          </a:p>
-          <a:p>
-            <a:pPr marL="0" indent="0" algn="just">
-              <a:buNone/>
-            </a:pPr>
-            <a:r>
-              <a:rPr lang="pt-BR" sz="2400" b="1" dirty="0">
-                <a:solidFill>
-                  <a:srgbClr val="FF0000"/>
-                </a:solidFill>
-                <a:latin typeface="Times New Roman" panose="02020603050405020304" pitchFamily="18" charset="0"/>
-                <a:cs typeface="Times New Roman" panose="02020603050405020304" pitchFamily="18" charset="0"/>
-              </a:rPr>
-              <a:t>Disponível em: </a:t>
-            </a:r>
-            <a:r>
-              <a:rPr lang="pt-BR" sz="2400" dirty="0">
-                <a:latin typeface="Times New Roman" panose="02020603050405020304" pitchFamily="18" charset="0"/>
-                <a:cs typeface="Times New Roman" panose="02020603050405020304" pitchFamily="18" charset="0"/>
-                <a:hlinkClick r:id="rId4"/>
-              </a:rPr>
-              <a:t>https://www.youtube.com/watch?v=UIAOR32H1vk</a:t>
-            </a:r>
-            <a:endParaRPr lang="pt-BR" sz="2400" dirty="0">
-              <a:latin typeface="Times New Roman" panose="02020603050405020304" pitchFamily="18" charset="0"/>
-              <a:cs typeface="Times New Roman" panose="02020603050405020304" pitchFamily="18" charset="0"/>
-            </a:endParaRPr>
-          </a:p>
         </p:txBody>
       </p:sp>
     </p:spTree>
@@ -5708,15 +5616,6 @@
               </a:rPr>
               <a:t>Projeto Livre</a:t>
             </a:r>
-          </a:p>
-          <a:p>
-            <a:pPr marL="0" indent="0" algn="just">
-              <a:buNone/>
-            </a:pPr>
-            <a:endParaRPr lang="pt-BR" sz="2000" dirty="0">
-              <a:latin typeface="Times New Roman" panose="02020603050405020304" pitchFamily="18" charset="0"/>
-              <a:cs typeface="Times New Roman" panose="02020603050405020304" pitchFamily="18" charset="0"/>
-            </a:endParaRPr>
           </a:p>
         </p:txBody>
       </p:sp>

--- a/01 Classes/Aula 03.1 - Programação Microcontroladores - Arduino Tinkercad - Prática.pptx
+++ b/01 Classes/Aula 03.1 - Programação Microcontroladores - Arduino Tinkercad - Prática.pptx
@@ -4466,21 +4466,7 @@
                 <a:latin typeface="Times New Roman" panose="02020603050405020304" pitchFamily="18" charset="0"/>
                 <a:cs typeface="Times New Roman" panose="02020603050405020304" pitchFamily="18" charset="0"/>
               </a:rPr>
-              <a:t> </a:t>
-            </a:r>
-            <a:r>
-              <a:rPr lang="pt-BR" sz="2000">
-                <a:latin typeface="Times New Roman" panose="02020603050405020304" pitchFamily="18" charset="0"/>
-                <a:cs typeface="Times New Roman" panose="02020603050405020304" pitchFamily="18" charset="0"/>
-              </a:rPr>
-              <a:t>= 1; </a:t>
-            </a:r>
-            <a:r>
-              <a:rPr lang="pt-BR" sz="2000" dirty="0">
-                <a:latin typeface="Times New Roman" panose="02020603050405020304" pitchFamily="18" charset="0"/>
-                <a:cs typeface="Times New Roman" panose="02020603050405020304" pitchFamily="18" charset="0"/>
-              </a:rPr>
-              <a:t>// contador de segundos</a:t>
+              <a:t> = 1; // contador de segundos</a:t>
             </a:r>
           </a:p>
           <a:p>
@@ -4953,6 +4939,181 @@
               <a:latin typeface="Times New Roman" panose="02020603050405020304" pitchFamily="18" charset="0"/>
               <a:cs typeface="Times New Roman" panose="02020603050405020304" pitchFamily="18" charset="0"/>
             </a:endParaRPr>
+          </a:p>
+        </p:txBody>
+      </p:sp>
+      <p:sp>
+        <p:nvSpPr>
+          <p:cNvPr id="2" name="CaixaDeTexto 1">
+            <a:extLst>
+              <a:ext uri="{FF2B5EF4-FFF2-40B4-BE49-F238E27FC236}">
+                <a16:creationId xmlns:a16="http://schemas.microsoft.com/office/drawing/2014/main" id="{086EA1C1-FAC8-D152-9127-14C8F0BAAE2C}"/>
+              </a:ext>
+            </a:extLst>
+          </p:cNvPr>
+          <p:cNvSpPr txBox="1"/>
+          <p:nvPr/>
+        </p:nvSpPr>
+        <p:spPr>
+          <a:xfrm>
+            <a:off x="5638800" y="951207"/>
+            <a:ext cx="3208561" cy="1477328"/>
+          </a:xfrm>
+          <a:prstGeom prst="rect">
+            <a:avLst/>
+          </a:prstGeom>
+          <a:noFill/>
+          <a:ln w="12700" cap="flat">
+            <a:noFill/>
+            <a:miter lim="400000"/>
+          </a:ln>
+          <a:effectLst/>
+        </p:spPr>
+        <p:style>
+          <a:lnRef idx="0">
+            <a:scrgbClr r="0" g="0" b="0"/>
+          </a:lnRef>
+          <a:fillRef idx="0">
+            <a:scrgbClr r="0" g="0" b="0"/>
+          </a:fillRef>
+          <a:effectRef idx="0">
+            <a:scrgbClr r="0" g="0" b="0"/>
+          </a:effectRef>
+          <a:fontRef idx="none"/>
+        </p:style>
+        <p:txBody>
+          <a:bodyPr wrap="square">
+            <a:spAutoFit/>
+          </a:bodyPr>
+          <a:lstStyle/>
+          <a:p>
+            <a:pPr marL="0" indent="0">
+              <a:buNone/>
+            </a:pPr>
+            <a:r>
+              <a:rPr lang="pt-BR" sz="1800" b="1" dirty="0">
+                <a:solidFill>
+                  <a:srgbClr val="FF0000"/>
+                </a:solidFill>
+                <a:latin typeface="Times New Roman" panose="02020603050405020304" pitchFamily="18" charset="0"/>
+                <a:cs typeface="Times New Roman" panose="02020603050405020304" pitchFamily="18" charset="0"/>
+              </a:rPr>
+              <a:t>ATENÇÃO: Ligação do LCD</a:t>
+            </a:r>
+            <a:endParaRPr lang="pt-BR" sz="1800" dirty="0">
+              <a:latin typeface="Times New Roman" panose="02020603050405020304" pitchFamily="18" charset="0"/>
+              <a:cs typeface="Times New Roman" panose="02020603050405020304" pitchFamily="18" charset="0"/>
+            </a:endParaRPr>
+          </a:p>
+          <a:p>
+            <a:pPr marL="285750" indent="-285750">
+              <a:buFont typeface="Wingdings" panose="05000000000000000000" pitchFamily="2" charset="2"/>
+              <a:buChar char="§"/>
+            </a:pPr>
+            <a:r>
+              <a:rPr lang="pt-BR" sz="1800" b="1" dirty="0">
+                <a:latin typeface="Times New Roman" panose="02020603050405020304" pitchFamily="18" charset="0"/>
+                <a:cs typeface="Times New Roman" panose="02020603050405020304" pitchFamily="18" charset="0"/>
+              </a:rPr>
+              <a:t>GND =&gt; </a:t>
+            </a:r>
+            <a:r>
+              <a:rPr lang="pt-BR" sz="1800" b="1" dirty="0">
+                <a:solidFill>
+                  <a:srgbClr val="0070C0"/>
+                </a:solidFill>
+                <a:latin typeface="Times New Roman" panose="02020603050405020304" pitchFamily="18" charset="0"/>
+                <a:cs typeface="Times New Roman" panose="02020603050405020304" pitchFamily="18" charset="0"/>
+              </a:rPr>
+              <a:t>GND</a:t>
+            </a:r>
+          </a:p>
+          <a:p>
+            <a:pPr marL="285750" indent="-285750">
+              <a:buFont typeface="Wingdings" panose="05000000000000000000" pitchFamily="2" charset="2"/>
+              <a:buChar char="§"/>
+            </a:pPr>
+            <a:r>
+              <a:rPr lang="pt-BR" sz="1800" b="1" dirty="0">
+                <a:latin typeface="Times New Roman" panose="02020603050405020304" pitchFamily="18" charset="0"/>
+                <a:cs typeface="Times New Roman" panose="02020603050405020304" pitchFamily="18" charset="0"/>
+              </a:rPr>
+              <a:t>VCC =&gt; </a:t>
+            </a:r>
+            <a:r>
+              <a:rPr lang="pt-BR" sz="1800" b="1" dirty="0">
+                <a:solidFill>
+                  <a:srgbClr val="0070C0"/>
+                </a:solidFill>
+                <a:latin typeface="Times New Roman" panose="02020603050405020304" pitchFamily="18" charset="0"/>
+                <a:cs typeface="Times New Roman" panose="02020603050405020304" pitchFamily="18" charset="0"/>
+              </a:rPr>
+              <a:t>5V</a:t>
+            </a:r>
+            <a:endParaRPr lang="pt-BR" sz="1800" dirty="0">
+              <a:solidFill>
+                <a:srgbClr val="0070C0"/>
+              </a:solidFill>
+              <a:latin typeface="Times New Roman" panose="02020603050405020304" pitchFamily="18" charset="0"/>
+              <a:cs typeface="Times New Roman" panose="02020603050405020304" pitchFamily="18" charset="0"/>
+            </a:endParaRPr>
+          </a:p>
+          <a:p>
+            <a:pPr marL="285750" indent="-285750">
+              <a:buFont typeface="Wingdings" panose="05000000000000000000" pitchFamily="2" charset="2"/>
+              <a:buChar char="§"/>
+            </a:pPr>
+            <a:r>
+              <a:rPr lang="pt-BR" sz="1800" b="1" dirty="0">
+                <a:latin typeface="Times New Roman" panose="02020603050405020304" pitchFamily="18" charset="0"/>
+                <a:cs typeface="Times New Roman" panose="02020603050405020304" pitchFamily="18" charset="0"/>
+              </a:rPr>
+              <a:t>SDA =&gt; </a:t>
+            </a:r>
+            <a:r>
+              <a:rPr lang="pt-BR" sz="1800" b="1" dirty="0">
+                <a:solidFill>
+                  <a:srgbClr val="0070C0"/>
+                </a:solidFill>
+                <a:latin typeface="Times New Roman" panose="02020603050405020304" pitchFamily="18" charset="0"/>
+                <a:cs typeface="Times New Roman" panose="02020603050405020304" pitchFamily="18" charset="0"/>
+              </a:rPr>
+              <a:t>A6</a:t>
+            </a:r>
+            <a:r>
+              <a:rPr lang="pt-BR" sz="1800" b="1" dirty="0">
+                <a:latin typeface="Times New Roman" panose="02020603050405020304" pitchFamily="18" charset="0"/>
+                <a:cs typeface="Times New Roman" panose="02020603050405020304" pitchFamily="18" charset="0"/>
+              </a:rPr>
+              <a:t> </a:t>
+            </a:r>
+            <a:endParaRPr lang="pt-BR" sz="1800" dirty="0">
+              <a:latin typeface="Times New Roman" panose="02020603050405020304" pitchFamily="18" charset="0"/>
+              <a:cs typeface="Times New Roman" panose="02020603050405020304" pitchFamily="18" charset="0"/>
+            </a:endParaRPr>
+          </a:p>
+          <a:p>
+            <a:pPr marL="285750" indent="-285750">
+              <a:buFont typeface="Wingdings" panose="05000000000000000000" pitchFamily="2" charset="2"/>
+              <a:buChar char="§"/>
+            </a:pPr>
+            <a:r>
+              <a:rPr lang="pt-BR" sz="1800" b="1" dirty="0">
+                <a:latin typeface="Times New Roman" panose="02020603050405020304" pitchFamily="18" charset="0"/>
+                <a:cs typeface="Times New Roman" panose="02020603050405020304" pitchFamily="18" charset="0"/>
+              </a:rPr>
+              <a:t>SCL =&gt; </a:t>
+            </a:r>
+            <a:r>
+              <a:rPr lang="pt-BR" sz="1800" b="1" dirty="0">
+                <a:solidFill>
+                  <a:srgbClr val="0070C0"/>
+                </a:solidFill>
+                <a:latin typeface="Times New Roman" panose="02020603050405020304" pitchFamily="18" charset="0"/>
+                <a:cs typeface="Times New Roman" panose="02020603050405020304" pitchFamily="18" charset="0"/>
+              </a:rPr>
+              <a:t>A5</a:t>
+            </a:r>
           </a:p>
         </p:txBody>
       </p:sp>
@@ -11090,8 +11251,8 @@
         </p:nvSpPr>
         <p:spPr>
           <a:xfrm>
-            <a:off x="3675889" y="1661923"/>
-            <a:ext cx="5230368" cy="2554545"/>
+            <a:off x="3770767" y="1063231"/>
+            <a:ext cx="5230368" cy="2246769"/>
           </a:xfrm>
           <a:prstGeom prst="rect">
             <a:avLst/>
@@ -11393,18 +11554,6 @@
               <a:t>}</a:t>
             </a:r>
           </a:p>
-          <a:p>
-            <a:pPr marL="0" indent="0">
-              <a:buNone/>
-            </a:pPr>
-            <a:endParaRPr lang="pt-BR" sz="2000" dirty="0">
-              <a:solidFill>
-                <a:schemeClr val="tx1"/>
-              </a:solidFill>
-              <a:latin typeface="Times New Roman" panose="02020603050405020304" pitchFamily="18" charset="0"/>
-              <a:cs typeface="Times New Roman" panose="02020603050405020304" pitchFamily="18" charset="0"/>
-            </a:endParaRPr>
-          </a:p>
         </p:txBody>
       </p:sp>
       <p:sp>
@@ -11421,8 +11570,8 @@
         </p:nvSpPr>
         <p:spPr>
           <a:xfrm>
-            <a:off x="3822192" y="3557968"/>
-            <a:ext cx="4572000" cy="1477328"/>
+            <a:off x="3770767" y="3279756"/>
+            <a:ext cx="4978908" cy="1754326"/>
           </a:xfrm>
           <a:prstGeom prst="rect">
             <a:avLst/>
@@ -11490,7 +11639,14 @@
                 <a:latin typeface="Times New Roman" panose="02020603050405020304" pitchFamily="18" charset="0"/>
                 <a:cs typeface="Times New Roman" panose="02020603050405020304" pitchFamily="18" charset="0"/>
               </a:rPr>
-              <a:t> ligar na bateria</a:t>
+              <a:t> ligar na bateria; </a:t>
+            </a:r>
+            <a:r>
+              <a:rPr lang="pt-BR" sz="1800" b="1" dirty="0">
+                <a:latin typeface="Times New Roman" panose="02020603050405020304" pitchFamily="18" charset="0"/>
+                <a:cs typeface="Times New Roman" panose="02020603050405020304" pitchFamily="18" charset="0"/>
+              </a:rPr>
+              <a:t>terminal negativo</a:t>
             </a:r>
           </a:p>
           <a:p>
@@ -11530,7 +11686,7 @@
                 <a:latin typeface="Times New Roman" panose="02020603050405020304" pitchFamily="18" charset="0"/>
                 <a:cs typeface="Times New Roman" panose="02020603050405020304" pitchFamily="18" charset="0"/>
               </a:rPr>
-              <a:t> ligar na lâmpada</a:t>
+              <a:t> ligar na lâmpada;</a:t>
             </a:r>
           </a:p>
           <a:p>
@@ -11552,6 +11708,23 @@
               </a:rPr>
               <a:t> ligar no GND digital</a:t>
             </a:r>
+          </a:p>
+          <a:p>
+            <a:pPr marL="285750" indent="-285750">
+              <a:buFont typeface="Wingdings" panose="05000000000000000000" pitchFamily="2" charset="2"/>
+              <a:buChar char="§"/>
+            </a:pPr>
+            <a:r>
+              <a:rPr lang="pt-BR" b="1" dirty="0">
+                <a:latin typeface="Times New Roman" panose="02020603050405020304" pitchFamily="18" charset="0"/>
+                <a:cs typeface="Times New Roman" panose="02020603050405020304" pitchFamily="18" charset="0"/>
+              </a:rPr>
+              <a:t>Terminal + bateria 5V</a:t>
+            </a:r>
+            <a:endParaRPr lang="pt-BR" sz="1800" b="1" dirty="0">
+              <a:latin typeface="Times New Roman" panose="02020603050405020304" pitchFamily="18" charset="0"/>
+              <a:cs typeface="Times New Roman" panose="02020603050405020304" pitchFamily="18" charset="0"/>
+            </a:endParaRPr>
           </a:p>
         </p:txBody>
       </p:sp>

--- a/01 Classes/Aula 03.1 - Programação Microcontroladores - Arduino Tinkercad - Prática.pptx
+++ b/01 Classes/Aula 03.1 - Programação Microcontroladores - Arduino Tinkercad - Prática.pptx
@@ -11251,8 +11251,8 @@
         </p:nvSpPr>
         <p:spPr>
           <a:xfrm>
-            <a:off x="3770767" y="1063231"/>
-            <a:ext cx="5230368" cy="2246769"/>
+            <a:off x="3770767" y="914400"/>
+            <a:ext cx="5230368" cy="1938992"/>
           </a:xfrm>
           <a:prstGeom prst="rect">
             <a:avLst/>
@@ -11311,19 +11311,7 @@
                 <a:latin typeface="Times New Roman" panose="02020603050405020304" pitchFamily="18" charset="0"/>
                 <a:cs typeface="Times New Roman" panose="02020603050405020304" pitchFamily="18" charset="0"/>
               </a:rPr>
-              <a:t>()</a:t>
-            </a:r>
-          </a:p>
-          <a:p>
-            <a:pPr marL="0" indent="0">
-              <a:buNone/>
-            </a:pPr>
-            <a:r>
-              <a:rPr lang="pt-BR" sz="2000" dirty="0">
-                <a:latin typeface="Times New Roman" panose="02020603050405020304" pitchFamily="18" charset="0"/>
-                <a:cs typeface="Times New Roman" panose="02020603050405020304" pitchFamily="18" charset="0"/>
-              </a:rPr>
-              <a:t>{</a:t>
+              <a:t>() {</a:t>
             </a:r>
           </a:p>
           <a:p>
@@ -11570,7 +11558,7 @@
         </p:nvSpPr>
         <p:spPr>
           <a:xfrm>
-            <a:off x="3770767" y="3279756"/>
+            <a:off x="3770767" y="2809073"/>
             <a:ext cx="4978908" cy="1754326"/>
           </a:xfrm>
           <a:prstGeom prst="rect">
@@ -11719,7 +11707,7 @@
                 <a:latin typeface="Times New Roman" panose="02020603050405020304" pitchFamily="18" charset="0"/>
                 <a:cs typeface="Times New Roman" panose="02020603050405020304" pitchFamily="18" charset="0"/>
               </a:rPr>
-              <a:t>Terminal + bateria 5V</a:t>
+              <a:t>Terminal + da bateria 9V, liga na Lâmpada</a:t>
             </a:r>
             <a:endParaRPr lang="pt-BR" sz="1800" b="1" dirty="0">
               <a:latin typeface="Times New Roman" panose="02020603050405020304" pitchFamily="18" charset="0"/>

--- a/01 Classes/Aula 03.1 - Programação Microcontroladores - Arduino Tinkercad - Prática.pptx
+++ b/01 Classes/Aula 03.1 - Programação Microcontroladores - Arduino Tinkercad - Prática.pptx
@@ -5068,20 +5068,27 @@
                 <a:latin typeface="Times New Roman" panose="02020603050405020304" pitchFamily="18" charset="0"/>
                 <a:cs typeface="Times New Roman" panose="02020603050405020304" pitchFamily="18" charset="0"/>
               </a:rPr>
-              <a:t>SDA =&gt; </a:t>
-            </a:r>
-            <a:r>
-              <a:rPr lang="pt-BR" sz="1800" b="1" dirty="0">
+              <a:t>SDA </a:t>
+            </a:r>
+            <a:r>
+              <a:rPr lang="pt-BR" sz="1800" b="1">
+                <a:latin typeface="Times New Roman" panose="02020603050405020304" pitchFamily="18" charset="0"/>
+                <a:cs typeface="Times New Roman" panose="02020603050405020304" pitchFamily="18" charset="0"/>
+              </a:rPr>
+              <a:t>=&gt; </a:t>
+            </a:r>
+            <a:r>
+              <a:rPr lang="pt-BR" sz="1800" b="1">
                 <a:solidFill>
                   <a:srgbClr val="0070C0"/>
                 </a:solidFill>
                 <a:latin typeface="Times New Roman" panose="02020603050405020304" pitchFamily="18" charset="0"/>
                 <a:cs typeface="Times New Roman" panose="02020603050405020304" pitchFamily="18" charset="0"/>
               </a:rPr>
-              <a:t>A6</a:t>
-            </a:r>
-            <a:r>
-              <a:rPr lang="pt-BR" sz="1800" b="1" dirty="0">
+              <a:t>A4</a:t>
+            </a:r>
+            <a:r>
+              <a:rPr lang="pt-BR" sz="1800" b="1">
                 <a:latin typeface="Times New Roman" panose="02020603050405020304" pitchFamily="18" charset="0"/>
                 <a:cs typeface="Times New Roman" panose="02020603050405020304" pitchFamily="18" charset="0"/>
               </a:rPr>
